--- a/docs/diagrams/TaskFindSequenceDiagram.pptx
+++ b/docs/diagrams/TaskFindSequenceDiagram.pptx
@@ -5,7 +5,7 @@
     <p:sldMasterId id="2147483648" r:id="rId1"/>
   </p:sldMasterIdLst>
   <p:sldIdLst>
-    <p:sldId id="256" r:id="rId2"/>
+    <p:sldId id="257" r:id="rId2"/>
   </p:sldIdLst>
   <p:sldSz cx="9144000" cy="6858000" type="screen4x3"/>
   <p:notesSz cx="6858000" cy="9144000"/>
@@ -289,7 +289,7 @@
             <a:fld id="{8151F6BF-3986-48D8-86F9-857EFF229DCD}" type="datetimeFigureOut">
               <a:rPr lang="en-SG" smtClean="0"/>
               <a:pPr/>
-              <a:t>2/4/2018</a:t>
+              <a:t>4/4/2018</a:t>
             </a:fld>
             <a:endParaRPr lang="en-SG"/>
           </a:p>
@@ -456,7 +456,7 @@
             <a:fld id="{8151F6BF-3986-48D8-86F9-857EFF229DCD}" type="datetimeFigureOut">
               <a:rPr lang="en-SG" smtClean="0"/>
               <a:pPr/>
-              <a:t>2/4/2018</a:t>
+              <a:t>4/4/2018</a:t>
             </a:fld>
             <a:endParaRPr lang="en-SG"/>
           </a:p>
@@ -633,7 +633,7 @@
             <a:fld id="{8151F6BF-3986-48D8-86F9-857EFF229DCD}" type="datetimeFigureOut">
               <a:rPr lang="en-SG" smtClean="0"/>
               <a:pPr/>
-              <a:t>2/4/2018</a:t>
+              <a:t>4/4/2018</a:t>
             </a:fld>
             <a:endParaRPr lang="en-SG"/>
           </a:p>
@@ -800,7 +800,7 @@
             <a:fld id="{8151F6BF-3986-48D8-86F9-857EFF229DCD}" type="datetimeFigureOut">
               <a:rPr lang="en-SG" smtClean="0"/>
               <a:pPr/>
-              <a:t>2/4/2018</a:t>
+              <a:t>4/4/2018</a:t>
             </a:fld>
             <a:endParaRPr lang="en-SG"/>
           </a:p>
@@ -1043,7 +1043,7 @@
             <a:fld id="{8151F6BF-3986-48D8-86F9-857EFF229DCD}" type="datetimeFigureOut">
               <a:rPr lang="en-SG" smtClean="0"/>
               <a:pPr/>
-              <a:t>2/4/2018</a:t>
+              <a:t>4/4/2018</a:t>
             </a:fld>
             <a:endParaRPr lang="en-SG"/>
           </a:p>
@@ -1328,7 +1328,7 @@
             <a:fld id="{8151F6BF-3986-48D8-86F9-857EFF229DCD}" type="datetimeFigureOut">
               <a:rPr lang="en-SG" smtClean="0"/>
               <a:pPr/>
-              <a:t>2/4/2018</a:t>
+              <a:t>4/4/2018</a:t>
             </a:fld>
             <a:endParaRPr lang="en-SG"/>
           </a:p>
@@ -1747,7 +1747,7 @@
             <a:fld id="{8151F6BF-3986-48D8-86F9-857EFF229DCD}" type="datetimeFigureOut">
               <a:rPr lang="en-SG" smtClean="0"/>
               <a:pPr/>
-              <a:t>2/4/2018</a:t>
+              <a:t>4/4/2018</a:t>
             </a:fld>
             <a:endParaRPr lang="en-SG"/>
           </a:p>
@@ -1862,7 +1862,7 @@
             <a:fld id="{8151F6BF-3986-48D8-86F9-857EFF229DCD}" type="datetimeFigureOut">
               <a:rPr lang="en-SG" smtClean="0"/>
               <a:pPr/>
-              <a:t>2/4/2018</a:t>
+              <a:t>4/4/2018</a:t>
             </a:fld>
             <a:endParaRPr lang="en-SG"/>
           </a:p>
@@ -1954,7 +1954,7 @@
             <a:fld id="{8151F6BF-3986-48D8-86F9-857EFF229DCD}" type="datetimeFigureOut">
               <a:rPr lang="en-SG" smtClean="0"/>
               <a:pPr/>
-              <a:t>2/4/2018</a:t>
+              <a:t>4/4/2018</a:t>
             </a:fld>
             <a:endParaRPr lang="en-SG"/>
           </a:p>
@@ -2228,7 +2228,7 @@
             <a:fld id="{8151F6BF-3986-48D8-86F9-857EFF229DCD}" type="datetimeFigureOut">
               <a:rPr lang="en-SG" smtClean="0"/>
               <a:pPr/>
-              <a:t>2/4/2018</a:t>
+              <a:t>4/4/2018</a:t>
             </a:fld>
             <a:endParaRPr lang="en-SG"/>
           </a:p>
@@ -2478,7 +2478,7 @@
             <a:fld id="{8151F6BF-3986-48D8-86F9-857EFF229DCD}" type="datetimeFigureOut">
               <a:rPr lang="en-SG" smtClean="0"/>
               <a:pPr/>
-              <a:t>2/4/2018</a:t>
+              <a:t>4/4/2018</a:t>
             </a:fld>
             <a:endParaRPr lang="en-SG"/>
           </a:p>
@@ -2688,7 +2688,7 @@
             <a:fld id="{8151F6BF-3986-48D8-86F9-857EFF229DCD}" type="datetimeFigureOut">
               <a:rPr lang="en-SG" smtClean="0"/>
               <a:pPr/>
-              <a:t>2/4/2018</a:t>
+              <a:t>4/4/2018</a:t>
             </a:fld>
             <a:endParaRPr lang="en-SG"/>
           </a:p>
@@ -3061,14 +3061,14 @@
       </p:grpSpPr>
       <p:sp>
         <p:nvSpPr>
-          <p:cNvPr id="43" name="Rectangle 65"/>
+          <p:cNvPr id="2" name="Rectangle 65"/>
           <p:cNvSpPr/>
           <p:nvPr/>
         </p:nvSpPr>
         <p:spPr>
           <a:xfrm>
-            <a:off x="549418" y="1124744"/>
-            <a:ext cx="8594582" cy="5040560"/>
+            <a:off x="287016" y="764704"/>
+            <a:ext cx="8784976" cy="5112568"/>
           </a:xfrm>
           <a:prstGeom prst="roundRect">
             <a:avLst>
@@ -3216,13 +3216,13 @@
       </p:sp>
       <p:sp>
         <p:nvSpPr>
-          <p:cNvPr id="44" name="Rectangle 43"/>
+          <p:cNvPr id="3" name="Rectangle 2"/>
           <p:cNvSpPr/>
           <p:nvPr/>
         </p:nvSpPr>
         <p:spPr>
           <a:xfrm>
-            <a:off x="628113" y="1512098"/>
+            <a:off x="556105" y="1161116"/>
             <a:ext cx="1455629" cy="346760"/>
           </a:xfrm>
           <a:prstGeom prst="rect">
@@ -3369,7 +3369,7 @@
       </p:sp>
       <p:cxnSp>
         <p:nvCxnSpPr>
-          <p:cNvPr id="45" name="Straight Connector 44"/>
+          <p:cNvPr id="4" name="Straight Connector 3"/>
           <p:cNvCxnSpPr>
             <a:cxnSpLocks/>
           </p:cNvCxnSpPr>
@@ -3377,8 +3377,8 @@
         </p:nvCxnSpPr>
         <p:spPr>
           <a:xfrm>
-            <a:off x="1355927" y="1891816"/>
-            <a:ext cx="0" cy="4140000"/>
+            <a:off x="1283919" y="1449280"/>
+            <a:ext cx="0" cy="4248000"/>
           </a:xfrm>
           <a:prstGeom prst="line">
             <a:avLst/>
@@ -3408,14 +3408,14 @@
       </p:cxnSp>
       <p:sp>
         <p:nvSpPr>
-          <p:cNvPr id="46" name="Rectangle 45"/>
+          <p:cNvPr id="5" name="Rectangle 4"/>
           <p:cNvSpPr/>
           <p:nvPr/>
         </p:nvSpPr>
         <p:spPr>
           <a:xfrm>
-            <a:off x="1283919" y="2226462"/>
-            <a:ext cx="152400" cy="3600000"/>
+            <a:off x="1211911" y="2010438"/>
+            <a:ext cx="152400" cy="3463200"/>
           </a:xfrm>
           <a:prstGeom prst="rect">
             <a:avLst/>
@@ -3549,13 +3549,13 @@
       </p:sp>
       <p:sp>
         <p:nvSpPr>
-          <p:cNvPr id="47" name="Rectangle 46"/>
+          <p:cNvPr id="6" name="Rectangle 5"/>
           <p:cNvSpPr/>
           <p:nvPr/>
         </p:nvSpPr>
         <p:spPr>
           <a:xfrm>
-            <a:off x="2560712" y="1360461"/>
+            <a:off x="2632720" y="1161116"/>
             <a:ext cx="1219200" cy="467684"/>
           </a:xfrm>
           <a:prstGeom prst="rect">
@@ -3713,7 +3713,7 @@
       </p:sp>
       <p:cxnSp>
         <p:nvCxnSpPr>
-          <p:cNvPr id="48" name="Straight Connector 47"/>
+          <p:cNvPr id="7" name="Straight Connector 6"/>
           <p:cNvCxnSpPr>
             <a:cxnSpLocks/>
           </p:cNvCxnSpPr>
@@ -3721,8 +3721,8 @@
         </p:nvCxnSpPr>
         <p:spPr>
           <a:xfrm>
-            <a:off x="3097167" y="1845056"/>
-            <a:ext cx="0" cy="2088000"/>
+            <a:off x="3169175" y="1593112"/>
+            <a:ext cx="0" cy="2448000"/>
           </a:xfrm>
           <a:prstGeom prst="line">
             <a:avLst/>
@@ -3752,14 +3752,14 @@
       </p:cxnSp>
       <p:sp>
         <p:nvSpPr>
-          <p:cNvPr id="49" name="Rectangle 48"/>
+          <p:cNvPr id="8" name="Rectangle 7"/>
           <p:cNvSpPr/>
           <p:nvPr/>
         </p:nvSpPr>
         <p:spPr>
           <a:xfrm>
-            <a:off x="3025160" y="2303249"/>
-            <a:ext cx="154408" cy="1476000"/>
+            <a:off x="3097168" y="2087505"/>
+            <a:ext cx="154408" cy="1728000"/>
           </a:xfrm>
           <a:prstGeom prst="rect">
             <a:avLst/>
@@ -3897,17 +3897,16 @@
       </p:sp>
       <p:cxnSp>
         <p:nvCxnSpPr>
-          <p:cNvPr id="50" name="Straight Connector 49"/>
+          <p:cNvPr id="9" name="Straight Connector 8"/>
           <p:cNvCxnSpPr>
             <a:cxnSpLocks/>
-            <a:stCxn id="51" idx="0"/>
           </p:cNvCxnSpPr>
           <p:nvPr/>
         </p:nvCxnSpPr>
         <p:spPr>
           <a:xfrm flipH="1">
-            <a:off x="7059636" y="3213008"/>
-            <a:ext cx="36836" cy="2644579"/>
+            <a:off x="7005468" y="3501248"/>
+            <a:ext cx="36836" cy="1980000"/>
           </a:xfrm>
           <a:prstGeom prst="line">
             <a:avLst/>
@@ -3937,14 +3936,14 @@
       </p:cxnSp>
       <p:sp>
         <p:nvSpPr>
-          <p:cNvPr id="51" name="Rectangle 50"/>
+          <p:cNvPr id="10" name="Rectangle 9"/>
           <p:cNvSpPr/>
           <p:nvPr/>
         </p:nvSpPr>
         <p:spPr>
           <a:xfrm>
-            <a:off x="7020272" y="3213008"/>
-            <a:ext cx="152400" cy="288000"/>
+            <a:off x="6966104" y="3465016"/>
+            <a:ext cx="152400" cy="108000"/>
           </a:xfrm>
           <a:prstGeom prst="rect">
             <a:avLst/>
@@ -4078,13 +4077,13 @@
       </p:sp>
       <p:cxnSp>
         <p:nvCxnSpPr>
-          <p:cNvPr id="52" name="Straight Arrow Connector 51"/>
+          <p:cNvPr id="11" name="Straight Arrow Connector 10"/>
           <p:cNvCxnSpPr/>
           <p:nvPr/>
         </p:nvCxnSpPr>
         <p:spPr>
           <a:xfrm>
-            <a:off x="164068" y="2230151"/>
+            <a:off x="92060" y="2014127"/>
             <a:ext cx="1119851" cy="0"/>
           </a:xfrm>
           <a:prstGeom prst="straightConnector1">
@@ -4114,14 +4113,14 @@
       </p:cxnSp>
       <p:sp>
         <p:nvSpPr>
-          <p:cNvPr id="53" name="TextBox 25"/>
+          <p:cNvPr id="12" name="TextBox 25"/>
           <p:cNvSpPr txBox="1"/>
           <p:nvPr/>
         </p:nvSpPr>
         <p:spPr>
           <a:xfrm>
-            <a:off x="35496" y="2020198"/>
-            <a:ext cx="1224136" cy="169277"/>
+            <a:off x="35496" y="1556792"/>
+            <a:ext cx="1224136" cy="369332"/>
           </a:xfrm>
           <a:prstGeom prst="rect">
             <a:avLst/>
@@ -4228,32 +4227,15 @@
             </a:lvl9pPr>
           </a:lstStyle>
           <a:p>
-            <a:pPr algn="r"/>
-            <a:r>
-              <a:rPr lang="en-US" sz="1100" dirty="0">
+            <a:r>
+              <a:rPr lang="en-US" sz="1200" dirty="0" smtClean="0">
                 <a:solidFill>
                   <a:srgbClr val="0070C0"/>
                 </a:solidFill>
               </a:rPr>
-              <a:t>execute</a:t>
-            </a:r>
-            <a:r>
-              <a:rPr lang="en-US" sz="1100" dirty="0" smtClean="0">
-                <a:solidFill>
-                  <a:srgbClr val="0070C0"/>
-                </a:solidFill>
-              </a:rPr>
-              <a:t>(“</a:t>
-            </a:r>
-            <a:r>
-              <a:rPr lang="en-US" sz="1100" dirty="0" smtClean="0">
-                <a:solidFill>
-                  <a:srgbClr val="0070C0"/>
-                </a:solidFill>
-              </a:rPr>
-              <a:t>task-find”)</a:t>
-            </a:r>
-            <a:endParaRPr lang="en-US" sz="1100" dirty="0">
+              <a:t>execute(“task-find Agenda”)</a:t>
+            </a:r>
+            <a:endParaRPr lang="en-US" sz="1200" dirty="0">
               <a:solidFill>
                 <a:srgbClr val="0070C0"/>
               </a:solidFill>
@@ -4263,14 +4245,14 @@
       </p:sp>
       <p:cxnSp>
         <p:nvCxnSpPr>
-          <p:cNvPr id="54" name="Straight Arrow Connector 53"/>
+          <p:cNvPr id="13" name="Straight Arrow Connector 12"/>
           <p:cNvCxnSpPr/>
           <p:nvPr/>
         </p:nvCxnSpPr>
         <p:spPr>
           <a:xfrm flipV="1">
-            <a:off x="3153768" y="2480492"/>
-            <a:ext cx="1494000" cy="1"/>
+            <a:off x="3240000" y="2204864"/>
+            <a:ext cx="1332000" cy="1"/>
           </a:xfrm>
           <a:prstGeom prst="straightConnector1">
             <a:avLst/>
@@ -4299,13 +4281,13 @@
       </p:cxnSp>
       <p:sp>
         <p:nvSpPr>
-          <p:cNvPr id="55" name="TextBox 28"/>
+          <p:cNvPr id="14" name="TextBox 28"/>
           <p:cNvSpPr txBox="1"/>
           <p:nvPr/>
         </p:nvSpPr>
         <p:spPr>
           <a:xfrm>
-            <a:off x="3707904" y="4077072"/>
+            <a:off x="3851920" y="4077072"/>
             <a:ext cx="936104" cy="246221"/>
           </a:xfrm>
           <a:prstGeom prst="rect">
@@ -4439,14 +4421,14 @@
       </p:sp>
       <p:cxnSp>
         <p:nvCxnSpPr>
-          <p:cNvPr id="56" name="Straight Arrow Connector 55"/>
+          <p:cNvPr id="15" name="Straight Arrow Connector 14"/>
           <p:cNvCxnSpPr/>
           <p:nvPr/>
         </p:nvCxnSpPr>
         <p:spPr>
           <a:xfrm>
-            <a:off x="3181160" y="3643064"/>
-            <a:ext cx="2250000" cy="0"/>
+            <a:off x="3240088" y="3717032"/>
+            <a:ext cx="2124000" cy="0"/>
           </a:xfrm>
           <a:prstGeom prst="straightConnector1">
             <a:avLst/>
@@ -4477,7 +4459,7 @@
       </p:cxnSp>
       <p:cxnSp>
         <p:nvCxnSpPr>
-          <p:cNvPr id="57" name="Straight Arrow Connector 56"/>
+          <p:cNvPr id="16" name="Straight Arrow Connector 15"/>
           <p:cNvCxnSpPr>
             <a:cxnSpLocks/>
           </p:cNvCxnSpPr>
@@ -4485,8 +4467,8 @@
         </p:nvCxnSpPr>
         <p:spPr>
           <a:xfrm>
-            <a:off x="1403648" y="3789040"/>
-            <a:ext cx="1620000" cy="0"/>
+            <a:off x="1331640" y="3789040"/>
+            <a:ext cx="1746000" cy="0"/>
           </a:xfrm>
           <a:prstGeom prst="straightConnector1">
             <a:avLst/>
@@ -4517,13 +4499,13 @@
       </p:cxnSp>
       <p:cxnSp>
         <p:nvCxnSpPr>
-          <p:cNvPr id="58" name="Straight Arrow Connector 57"/>
+          <p:cNvPr id="17" name="Straight Arrow Connector 16"/>
           <p:cNvCxnSpPr/>
           <p:nvPr/>
         </p:nvCxnSpPr>
         <p:spPr>
           <a:xfrm>
-            <a:off x="125967" y="5805264"/>
+            <a:off x="53959" y="5474299"/>
             <a:ext cx="1196051" cy="0"/>
           </a:xfrm>
           <a:prstGeom prst="straightConnector1">
@@ -4555,14 +4537,14 @@
       </p:cxnSp>
       <p:sp>
         <p:nvSpPr>
-          <p:cNvPr id="59" name="Rectangle 58"/>
+          <p:cNvPr id="18" name="Rectangle 17"/>
           <p:cNvSpPr/>
           <p:nvPr/>
         </p:nvSpPr>
         <p:spPr>
           <a:xfrm>
-            <a:off x="7006728" y="4353963"/>
-            <a:ext cx="161322" cy="1307285"/>
+            <a:off x="6934720" y="4365224"/>
+            <a:ext cx="161322" cy="900000"/>
           </a:xfrm>
           <a:prstGeom prst="rect">
             <a:avLst/>
@@ -4696,14 +4678,14 @@
       </p:sp>
       <p:sp>
         <p:nvSpPr>
-          <p:cNvPr id="62" name="TextBox 79"/>
+          <p:cNvPr id="19" name="TextBox 78"/>
           <p:cNvSpPr txBox="1"/>
           <p:nvPr/>
         </p:nvSpPr>
         <p:spPr>
           <a:xfrm>
-            <a:off x="1763688" y="1916832"/>
-            <a:ext cx="1008112" cy="369332"/>
+            <a:off x="7164288" y="4221088"/>
+            <a:ext cx="1728192" cy="430887"/>
           </a:xfrm>
           <a:prstGeom prst="rect">
             <a:avLst/>
@@ -4811,47 +4793,46 @@
           </a:lstStyle>
           <a:p>
             <a:r>
-              <a:rPr lang="en-US" sz="1200" dirty="0">
+              <a:rPr lang="en-SG" sz="1400" dirty="0" err="1" smtClean="0">
                 <a:solidFill>
                   <a:srgbClr val="0070C0"/>
                 </a:solidFill>
               </a:rPr>
-              <a:t>parseCommand</a:t>
-            </a:r>
-            <a:r>
-              <a:rPr lang="en-US" sz="1200" dirty="0" smtClean="0">
-                <a:solidFill>
-                  <a:srgbClr val="0070C0"/>
-                </a:solidFill>
-              </a:rPr>
-              <a:t>(“</a:t>
-            </a:r>
-            <a:r>
-              <a:rPr lang="en-US" sz="1200" dirty="0" smtClean="0">
-                <a:solidFill>
-                  <a:srgbClr val="0070C0"/>
-                </a:solidFill>
-              </a:rPr>
-              <a:t>task-find”)</a:t>
-            </a:r>
-            <a:endParaRPr lang="en-US" sz="1200" dirty="0">
+              <a:t>updateFilteredTaskList</a:t>
+            </a:r>
+            <a:endParaRPr lang="en-SG" sz="1400" dirty="0" smtClean="0">
               <a:solidFill>
                 <a:srgbClr val="0070C0"/>
               </a:solidFill>
             </a:endParaRPr>
           </a:p>
-        </p:txBody>
-      </p:sp>
-      <p:sp>
-        <p:nvSpPr>
-          <p:cNvPr id="63" name="TextBox 81"/>
+          <a:p>
+            <a:r>
+              <a:rPr lang="en-SG" sz="1400" dirty="0" smtClean="0">
+                <a:solidFill>
+                  <a:srgbClr val="0070C0"/>
+                </a:solidFill>
+              </a:rPr>
+              <a:t>(predicate)</a:t>
+            </a:r>
+            <a:endParaRPr lang="en-US" sz="1400" dirty="0">
+              <a:solidFill>
+                <a:srgbClr val="0070C0"/>
+              </a:solidFill>
+            </a:endParaRPr>
+          </a:p>
+        </p:txBody>
+      </p:sp>
+      <p:sp>
+        <p:nvSpPr>
+          <p:cNvPr id="20" name="TextBox 79"/>
           <p:cNvSpPr txBox="1"/>
           <p:nvPr/>
         </p:nvSpPr>
         <p:spPr>
           <a:xfrm>
-            <a:off x="3950784" y="5405340"/>
-            <a:ext cx="621216" cy="246221"/>
+            <a:off x="1619672" y="1700808"/>
+            <a:ext cx="1296144" cy="369332"/>
           </a:xfrm>
           <a:prstGeom prst="rect">
             <a:avLst/>
@@ -4959,26 +4940,49 @@
           </a:lstStyle>
           <a:p>
             <a:r>
-              <a:rPr lang="en-US" sz="1600" dirty="0">
+              <a:rPr lang="en-US" sz="1200" dirty="0" smtClean="0">
                 <a:solidFill>
                   <a:srgbClr val="0070C0"/>
                 </a:solidFill>
               </a:rPr>
-              <a:t>result</a:t>
-            </a:r>
-          </a:p>
-        </p:txBody>
-      </p:sp>
-      <p:sp>
-        <p:nvSpPr>
-          <p:cNvPr id="64" name="TextBox 82"/>
+              <a:t>parseCommand</a:t>
+            </a:r>
+          </a:p>
+          <a:p>
+            <a:r>
+              <a:rPr lang="en-US" sz="1200" dirty="0" smtClean="0">
+                <a:solidFill>
+                  <a:srgbClr val="0070C0"/>
+                </a:solidFill>
+              </a:rPr>
+              <a:t>(“</a:t>
+            </a:r>
+            <a:r>
+              <a:rPr lang="en-US" sz="1200" dirty="0" smtClean="0">
+                <a:solidFill>
+                  <a:srgbClr val="0070C0"/>
+                </a:solidFill>
+              </a:rPr>
+              <a:t>task-find Agenda”)</a:t>
+            </a:r>
+            <a:endParaRPr lang="en-US" sz="1200" dirty="0">
+              <a:solidFill>
+                <a:srgbClr val="0070C0"/>
+              </a:solidFill>
+            </a:endParaRPr>
+          </a:p>
+        </p:txBody>
+      </p:sp>
+      <p:sp>
+        <p:nvSpPr>
+          <p:cNvPr id="21" name="TextBox 81"/>
           <p:cNvSpPr txBox="1"/>
           <p:nvPr/>
         </p:nvSpPr>
         <p:spPr>
           <a:xfrm>
-            <a:off x="390238" y="5560165"/>
-            <a:ext cx="581362" cy="246221"/>
+            <a:off x="3878776" y="5013176"/>
+            <a:ext cx="621216" cy="246221"/>
           </a:xfrm>
           <a:prstGeom prst="rect">
             <a:avLst/>
@@ -5098,14 +5102,14 @@
       </p:sp>
       <p:sp>
         <p:nvSpPr>
-          <p:cNvPr id="68" name="TextBox 92"/>
+          <p:cNvPr id="22" name="TextBox 82"/>
           <p:cNvSpPr txBox="1"/>
           <p:nvPr/>
         </p:nvSpPr>
         <p:spPr>
           <a:xfrm>
-            <a:off x="2051720" y="3501008"/>
-            <a:ext cx="220343" cy="246221"/>
+            <a:off x="318230" y="5229200"/>
+            <a:ext cx="581362" cy="246221"/>
           </a:xfrm>
           <a:prstGeom prst="rect">
             <a:avLst/>
@@ -5213,7 +5217,134 @@
           </a:lstStyle>
           <a:p>
             <a:r>
-              <a:rPr lang="en-US" sz="1600" dirty="0" smtClean="0">
+              <a:rPr lang="en-US" sz="1600" dirty="0">
+                <a:solidFill>
+                  <a:srgbClr val="0070C0"/>
+                </a:solidFill>
+              </a:rPr>
+              <a:t>result</a:t>
+            </a:r>
+          </a:p>
+        </p:txBody>
+      </p:sp>
+      <p:sp>
+        <p:nvSpPr>
+          <p:cNvPr id="23" name="TextBox 92"/>
+          <p:cNvSpPr txBox="1"/>
+          <p:nvPr/>
+        </p:nvSpPr>
+        <p:spPr>
+          <a:xfrm>
+            <a:off x="2123728" y="3501008"/>
+            <a:ext cx="220343" cy="246221"/>
+          </a:xfrm>
+          <a:prstGeom prst="rect">
+            <a:avLst/>
+          </a:prstGeom>
+          <a:noFill/>
+        </p:spPr>
+        <p:txBody>
+          <a:bodyPr wrap="square" lIns="0" tIns="0" rIns="0" bIns="0" rtlCol="0">
+            <a:spAutoFit/>
+          </a:bodyPr>
+          <a:lstStyle>
+            <a:defPPr>
+              <a:defRPr lang="en-US"/>
+            </a:defPPr>
+            <a:lvl1pPr marL="0" algn="l" defTabSz="914400" rtl="0" eaLnBrk="1" latinLnBrk="0" hangingPunct="1">
+              <a:defRPr sz="1800" kern="1200">
+                <a:solidFill>
+                  <a:schemeClr val="tx1"/>
+                </a:solidFill>
+                <a:latin typeface="+mn-lt"/>
+                <a:ea typeface="+mn-ea"/>
+                <a:cs typeface="+mn-cs"/>
+              </a:defRPr>
+            </a:lvl1pPr>
+            <a:lvl2pPr marL="457200" algn="l" defTabSz="914400" rtl="0" eaLnBrk="1" latinLnBrk="0" hangingPunct="1">
+              <a:defRPr sz="1800" kern="1200">
+                <a:solidFill>
+                  <a:schemeClr val="tx1"/>
+                </a:solidFill>
+                <a:latin typeface="+mn-lt"/>
+                <a:ea typeface="+mn-ea"/>
+                <a:cs typeface="+mn-cs"/>
+              </a:defRPr>
+            </a:lvl2pPr>
+            <a:lvl3pPr marL="914400" algn="l" defTabSz="914400" rtl="0" eaLnBrk="1" latinLnBrk="0" hangingPunct="1">
+              <a:defRPr sz="1800" kern="1200">
+                <a:solidFill>
+                  <a:schemeClr val="tx1"/>
+                </a:solidFill>
+                <a:latin typeface="+mn-lt"/>
+                <a:ea typeface="+mn-ea"/>
+                <a:cs typeface="+mn-cs"/>
+              </a:defRPr>
+            </a:lvl3pPr>
+            <a:lvl4pPr marL="1371600" algn="l" defTabSz="914400" rtl="0" eaLnBrk="1" latinLnBrk="0" hangingPunct="1">
+              <a:defRPr sz="1800" kern="1200">
+                <a:solidFill>
+                  <a:schemeClr val="tx1"/>
+                </a:solidFill>
+                <a:latin typeface="+mn-lt"/>
+                <a:ea typeface="+mn-ea"/>
+                <a:cs typeface="+mn-cs"/>
+              </a:defRPr>
+            </a:lvl4pPr>
+            <a:lvl5pPr marL="1828800" algn="l" defTabSz="914400" rtl="0" eaLnBrk="1" latinLnBrk="0" hangingPunct="1">
+              <a:defRPr sz="1800" kern="1200">
+                <a:solidFill>
+                  <a:schemeClr val="tx1"/>
+                </a:solidFill>
+                <a:latin typeface="+mn-lt"/>
+                <a:ea typeface="+mn-ea"/>
+                <a:cs typeface="+mn-cs"/>
+              </a:defRPr>
+            </a:lvl5pPr>
+            <a:lvl6pPr marL="2286000" algn="l" defTabSz="914400" rtl="0" eaLnBrk="1" latinLnBrk="0" hangingPunct="1">
+              <a:defRPr sz="1800" kern="1200">
+                <a:solidFill>
+                  <a:schemeClr val="tx1"/>
+                </a:solidFill>
+                <a:latin typeface="+mn-lt"/>
+                <a:ea typeface="+mn-ea"/>
+                <a:cs typeface="+mn-cs"/>
+              </a:defRPr>
+            </a:lvl6pPr>
+            <a:lvl7pPr marL="2743200" algn="l" defTabSz="914400" rtl="0" eaLnBrk="1" latinLnBrk="0" hangingPunct="1">
+              <a:defRPr sz="1800" kern="1200">
+                <a:solidFill>
+                  <a:schemeClr val="tx1"/>
+                </a:solidFill>
+                <a:latin typeface="+mn-lt"/>
+                <a:ea typeface="+mn-ea"/>
+                <a:cs typeface="+mn-cs"/>
+              </a:defRPr>
+            </a:lvl7pPr>
+            <a:lvl8pPr marL="3200400" algn="l" defTabSz="914400" rtl="0" eaLnBrk="1" latinLnBrk="0" hangingPunct="1">
+              <a:defRPr sz="1800" kern="1200">
+                <a:solidFill>
+                  <a:schemeClr val="tx1"/>
+                </a:solidFill>
+                <a:latin typeface="+mn-lt"/>
+                <a:ea typeface="+mn-ea"/>
+                <a:cs typeface="+mn-cs"/>
+              </a:defRPr>
+            </a:lvl8pPr>
+            <a:lvl9pPr marL="3657600" algn="l" defTabSz="914400" rtl="0" eaLnBrk="1" latinLnBrk="0" hangingPunct="1">
+              <a:defRPr sz="1800" kern="1200">
+                <a:solidFill>
+                  <a:schemeClr val="tx1"/>
+                </a:solidFill>
+                <a:latin typeface="+mn-lt"/>
+                <a:ea typeface="+mn-ea"/>
+                <a:cs typeface="+mn-cs"/>
+              </a:defRPr>
+            </a:lvl9pPr>
+          </a:lstStyle>
+          <a:p>
+            <a:r>
+              <a:rPr lang="en-US" sz="1600" dirty="0" err="1" smtClean="0">
                 <a:solidFill>
                   <a:srgbClr val="0070C0"/>
                 </a:solidFill>
@@ -5230,13 +5361,13 @@
       </p:sp>
       <p:sp>
         <p:nvSpPr>
-          <p:cNvPr id="69" name="Rectangle 68"/>
+          <p:cNvPr id="24" name="Rectangle 23"/>
           <p:cNvSpPr/>
           <p:nvPr/>
         </p:nvSpPr>
         <p:spPr>
           <a:xfrm>
-            <a:off x="7524328" y="3789053"/>
+            <a:off x="8080369" y="3789053"/>
             <a:ext cx="1532191" cy="432035"/>
           </a:xfrm>
           <a:prstGeom prst="rect">
@@ -5383,7 +5514,7 @@
       </p:sp>
       <p:cxnSp>
         <p:nvCxnSpPr>
-          <p:cNvPr id="70" name="Straight Connector 69"/>
+          <p:cNvPr id="25" name="Straight Connector 24"/>
           <p:cNvCxnSpPr>
             <a:cxnSpLocks/>
           </p:cNvCxnSpPr>
@@ -5391,8 +5522,8 @@
         </p:nvCxnSpPr>
         <p:spPr>
           <a:xfrm>
-            <a:off x="8633977" y="4245973"/>
-            <a:ext cx="0" cy="1008000"/>
+            <a:off x="8830728" y="4221087"/>
+            <a:ext cx="0" cy="990000"/>
           </a:xfrm>
           <a:prstGeom prst="line">
             <a:avLst/>
@@ -5422,14 +5553,14 @@
       </p:cxnSp>
       <p:sp>
         <p:nvSpPr>
-          <p:cNvPr id="71" name="Rectangle 70"/>
+          <p:cNvPr id="26" name="Rectangle 25"/>
           <p:cNvSpPr/>
           <p:nvPr/>
         </p:nvSpPr>
         <p:spPr>
           <a:xfrm>
-            <a:off x="8531055" y="4661701"/>
-            <a:ext cx="217409" cy="351475"/>
+            <a:off x="8727806" y="4725144"/>
+            <a:ext cx="217409" cy="288000"/>
           </a:xfrm>
           <a:prstGeom prst="rect">
             <a:avLst/>
@@ -5563,7 +5694,7 @@
       </p:sp>
       <p:cxnSp>
         <p:nvCxnSpPr>
-          <p:cNvPr id="72" name="Straight Arrow Connector 71"/>
+          <p:cNvPr id="27" name="Straight Arrow Connector 26"/>
           <p:cNvCxnSpPr>
             <a:cxnSpLocks/>
           </p:cNvCxnSpPr>
@@ -5571,8 +5702,8 @@
         </p:nvCxnSpPr>
         <p:spPr>
           <a:xfrm>
-            <a:off x="7176616" y="4653136"/>
-            <a:ext cx="1368000" cy="0"/>
+            <a:off x="7092280" y="4713037"/>
+            <a:ext cx="1656000" cy="0"/>
           </a:xfrm>
           <a:prstGeom prst="straightConnector1">
             <a:avLst/>
@@ -5601,14 +5732,14 @@
       </p:cxnSp>
       <p:sp>
         <p:nvSpPr>
-          <p:cNvPr id="74" name="Rectangle 73"/>
+          <p:cNvPr id="28" name="Rectangle 27"/>
           <p:cNvSpPr/>
           <p:nvPr/>
         </p:nvSpPr>
         <p:spPr>
           <a:xfrm>
-            <a:off x="6516216" y="2852936"/>
-            <a:ext cx="1152128" cy="461538"/>
+            <a:off x="6444208" y="2996952"/>
+            <a:ext cx="1231216" cy="461538"/>
           </a:xfrm>
           <a:prstGeom prst="rect">
             <a:avLst/>
@@ -5737,12 +5868,35 @@
           <a:p>
             <a:pPr algn="ctr"/>
             <a:r>
-              <a:rPr lang="en-US" sz="1600" dirty="0" smtClean="0">
+              <a:rPr lang="en-US" sz="1600" dirty="0" err="1" smtClean="0">
                 <a:solidFill>
                   <a:schemeClr val="bg1"/>
                 </a:solidFill>
               </a:rPr>
-              <a:t>tf:TaskFindCommand</a:t>
+              <a:t>tf:TaskFind</a:t>
+            </a:r>
+            <a:r>
+              <a:rPr lang="en-US" sz="1600" dirty="0">
+                <a:solidFill>
+                  <a:schemeClr val="bg1"/>
+                </a:solidFill>
+              </a:rPr>
+              <a:t/>
+            </a:r>
+            <a:br>
+              <a:rPr lang="en-US" sz="1600" dirty="0">
+                <a:solidFill>
+                  <a:schemeClr val="bg1"/>
+                </a:solidFill>
+              </a:rPr>
+            </a:br>
+            <a:r>
+              <a:rPr lang="en-US" sz="1600" dirty="0">
+                <a:solidFill>
+                  <a:schemeClr val="bg1"/>
+                </a:solidFill>
+              </a:rPr>
+              <a:t>Command</a:t>
             </a:r>
             <a:endParaRPr lang="en-SG" sz="1600" dirty="0">
               <a:solidFill>
@@ -5754,7 +5908,7 @@
       </p:sp>
       <p:cxnSp>
         <p:nvCxnSpPr>
-          <p:cNvPr id="75" name="Straight Arrow Connector 74">
+          <p:cNvPr id="29" name="Straight Arrow Connector 28">
             <a:extLst>
               <a:ext uri="{FF2B5EF4-FFF2-40B4-BE49-F238E27FC236}">
                 <a16:creationId xmlns:lc="http://schemas.openxmlformats.org/drawingml/2006/lockedCanvas" xmlns:a16="http://schemas.microsoft.com/office/drawing/2014/main" xmlns="" id="{39916E2E-195A-4DC8-B025-B05FA87E6796}"/>
@@ -5768,7 +5922,7 @@
         </p:nvCxnSpPr>
         <p:spPr>
           <a:xfrm>
-            <a:off x="1436319" y="4365103"/>
+            <a:off x="1364311" y="4365103"/>
             <a:ext cx="5580000" cy="1"/>
           </a:xfrm>
           <a:prstGeom prst="straightConnector1">
@@ -5798,7 +5952,7 @@
       </p:cxnSp>
       <p:cxnSp>
         <p:nvCxnSpPr>
-          <p:cNvPr id="76" name="Straight Arrow Connector 75">
+          <p:cNvPr id="30" name="Straight Arrow Connector 29">
             <a:extLst>
               <a:ext uri="{FF2B5EF4-FFF2-40B4-BE49-F238E27FC236}">
                 <a16:creationId xmlns:lc="http://schemas.openxmlformats.org/drawingml/2006/lockedCanvas" xmlns:a16="http://schemas.microsoft.com/office/drawing/2014/main" xmlns="" id="{D881596E-177C-4FDC-8E60-CAB90B3D5FAB}"/>
@@ -5812,8 +5966,8 @@
         </p:nvCxnSpPr>
         <p:spPr>
           <a:xfrm>
-            <a:off x="1453213" y="2332070"/>
-            <a:ext cx="1584000" cy="1"/>
+            <a:off x="1331640" y="2116046"/>
+            <a:ext cx="1782000" cy="1"/>
           </a:xfrm>
           <a:prstGeom prst="straightConnector1">
             <a:avLst/>
@@ -5842,7 +5996,7 @@
       </p:cxnSp>
       <p:cxnSp>
         <p:nvCxnSpPr>
-          <p:cNvPr id="77" name="Straight Arrow Connector 76">
+          <p:cNvPr id="31" name="Straight Arrow Connector 30">
             <a:extLst>
               <a:ext uri="{FF2B5EF4-FFF2-40B4-BE49-F238E27FC236}">
                 <a16:creationId xmlns:lc="http://schemas.openxmlformats.org/drawingml/2006/lockedCanvas" xmlns:a16="http://schemas.microsoft.com/office/drawing/2014/main" xmlns="" id="{7C9F21BC-13A9-471F-825A-2621FD36355F}"/>
@@ -5856,7 +6010,7 @@
         </p:nvCxnSpPr>
         <p:spPr>
           <a:xfrm>
-            <a:off x="1436965" y="5650726"/>
+            <a:off x="1364957" y="5258562"/>
             <a:ext cx="5580000" cy="0"/>
           </a:xfrm>
           <a:prstGeom prst="straightConnector1">
@@ -5888,7 +6042,7 @@
       </p:cxnSp>
       <p:cxnSp>
         <p:nvCxnSpPr>
-          <p:cNvPr id="78" name="Straight Arrow Connector 77">
+          <p:cNvPr id="32" name="Straight Arrow Connector 31">
             <a:extLst>
               <a:ext uri="{FF2B5EF4-FFF2-40B4-BE49-F238E27FC236}">
                 <a16:creationId xmlns:lc="http://schemas.openxmlformats.org/drawingml/2006/lockedCanvas" xmlns:a16="http://schemas.microsoft.com/office/drawing/2014/main" xmlns="" id="{854D9FBB-2B36-4DC9-8B58-F7F177A8E586}"/>
@@ -5902,8 +6056,8 @@
         </p:nvCxnSpPr>
         <p:spPr>
           <a:xfrm>
-            <a:off x="7164288" y="5013176"/>
-            <a:ext cx="1368000" cy="0"/>
+            <a:off x="7092280" y="5013176"/>
+            <a:ext cx="1656000" cy="0"/>
           </a:xfrm>
           <a:prstGeom prst="straightConnector1">
             <a:avLst/>
@@ -5940,8 +6094,8 @@
         </p:nvSpPr>
         <p:spPr>
           <a:xfrm>
-            <a:off x="4636916" y="2253265"/>
-            <a:ext cx="1879300" cy="467684"/>
+            <a:off x="4564908" y="1988840"/>
+            <a:ext cx="1807292" cy="467684"/>
           </a:xfrm>
           <a:prstGeom prst="rect">
             <a:avLst/>
@@ -6078,7 +6232,7 @@
               <a:t>:</a:t>
             </a:r>
             <a:r>
-              <a:rPr lang="en-US" sz="1600" dirty="0" smtClean="0">
+              <a:rPr lang="en-US" sz="1600" dirty="0" err="1" smtClean="0">
                 <a:solidFill>
                   <a:schemeClr val="bg1"/>
                 </a:solidFill>
@@ -6101,8 +6255,8 @@
         </p:nvSpPr>
         <p:spPr>
           <a:xfrm>
-            <a:off x="5429004" y="2720948"/>
-            <a:ext cx="152400" cy="936000"/>
+            <a:off x="5364088" y="3195040"/>
+            <a:ext cx="152400" cy="522000"/>
           </a:xfrm>
           <a:prstGeom prst="rect">
             <a:avLst/>
@@ -6242,8 +6396,8 @@
         </p:nvSpPr>
         <p:spPr>
           <a:xfrm>
-            <a:off x="3275857" y="2236222"/>
-            <a:ext cx="1152128" cy="184666"/>
+            <a:off x="3779912" y="2956302"/>
+            <a:ext cx="1080120" cy="184666"/>
           </a:xfrm>
           <a:prstGeom prst="rect">
             <a:avLst/>
@@ -6356,15 +6510,7 @@
                   <a:srgbClr val="0070C0"/>
                 </a:solidFill>
               </a:rPr>
-              <a:t>parse(“</a:t>
-            </a:r>
-            <a:r>
-              <a:rPr lang="en-US" sz="1200" dirty="0" smtClean="0">
-                <a:solidFill>
-                  <a:srgbClr val="0070C0"/>
-                </a:solidFill>
-              </a:rPr>
-              <a:t>task-find”)</a:t>
+              <a:t>parse(“Agenda”)</a:t>
             </a:r>
             <a:endParaRPr lang="en-US" sz="1200" dirty="0">
               <a:solidFill>
@@ -6382,7 +6528,7 @@
         </p:nvCxnSpPr>
         <p:spPr>
           <a:xfrm flipV="1">
-            <a:off x="5580112" y="3068959"/>
+            <a:off x="5525944" y="3284983"/>
             <a:ext cx="928800" cy="1"/>
           </a:xfrm>
           <a:prstGeom prst="straightConnector1">
@@ -6410,141 +6556,9 @@
           </a:fontRef>
         </p:style>
       </p:cxnSp>
-      <p:sp>
-        <p:nvSpPr>
-          <p:cNvPr id="37" name="TextBox 92"/>
-          <p:cNvSpPr txBox="1"/>
-          <p:nvPr/>
-        </p:nvSpPr>
-        <p:spPr>
-          <a:xfrm>
-            <a:off x="4202705" y="3356992"/>
-            <a:ext cx="220343" cy="246221"/>
-          </a:xfrm>
-          <a:prstGeom prst="rect">
-            <a:avLst/>
-          </a:prstGeom>
-          <a:noFill/>
-        </p:spPr>
-        <p:txBody>
-          <a:bodyPr wrap="square" lIns="0" tIns="0" rIns="0" bIns="0" rtlCol="0">
-            <a:spAutoFit/>
-          </a:bodyPr>
-          <a:lstStyle>
-            <a:defPPr>
-              <a:defRPr lang="en-US"/>
-            </a:defPPr>
-            <a:lvl1pPr marL="0" algn="l" defTabSz="914400" rtl="0" eaLnBrk="1" latinLnBrk="0" hangingPunct="1">
-              <a:defRPr sz="1800" kern="1200">
-                <a:solidFill>
-                  <a:schemeClr val="tx1"/>
-                </a:solidFill>
-                <a:latin typeface="+mn-lt"/>
-                <a:ea typeface="+mn-ea"/>
-                <a:cs typeface="+mn-cs"/>
-              </a:defRPr>
-            </a:lvl1pPr>
-            <a:lvl2pPr marL="457200" algn="l" defTabSz="914400" rtl="0" eaLnBrk="1" latinLnBrk="0" hangingPunct="1">
-              <a:defRPr sz="1800" kern="1200">
-                <a:solidFill>
-                  <a:schemeClr val="tx1"/>
-                </a:solidFill>
-                <a:latin typeface="+mn-lt"/>
-                <a:ea typeface="+mn-ea"/>
-                <a:cs typeface="+mn-cs"/>
-              </a:defRPr>
-            </a:lvl2pPr>
-            <a:lvl3pPr marL="914400" algn="l" defTabSz="914400" rtl="0" eaLnBrk="1" latinLnBrk="0" hangingPunct="1">
-              <a:defRPr sz="1800" kern="1200">
-                <a:solidFill>
-                  <a:schemeClr val="tx1"/>
-                </a:solidFill>
-                <a:latin typeface="+mn-lt"/>
-                <a:ea typeface="+mn-ea"/>
-                <a:cs typeface="+mn-cs"/>
-              </a:defRPr>
-            </a:lvl3pPr>
-            <a:lvl4pPr marL="1371600" algn="l" defTabSz="914400" rtl="0" eaLnBrk="1" latinLnBrk="0" hangingPunct="1">
-              <a:defRPr sz="1800" kern="1200">
-                <a:solidFill>
-                  <a:schemeClr val="tx1"/>
-                </a:solidFill>
-                <a:latin typeface="+mn-lt"/>
-                <a:ea typeface="+mn-ea"/>
-                <a:cs typeface="+mn-cs"/>
-              </a:defRPr>
-            </a:lvl4pPr>
-            <a:lvl5pPr marL="1828800" algn="l" defTabSz="914400" rtl="0" eaLnBrk="1" latinLnBrk="0" hangingPunct="1">
-              <a:defRPr sz="1800" kern="1200">
-                <a:solidFill>
-                  <a:schemeClr val="tx1"/>
-                </a:solidFill>
-                <a:latin typeface="+mn-lt"/>
-                <a:ea typeface="+mn-ea"/>
-                <a:cs typeface="+mn-cs"/>
-              </a:defRPr>
-            </a:lvl5pPr>
-            <a:lvl6pPr marL="2286000" algn="l" defTabSz="914400" rtl="0" eaLnBrk="1" latinLnBrk="0" hangingPunct="1">
-              <a:defRPr sz="1800" kern="1200">
-                <a:solidFill>
-                  <a:schemeClr val="tx1"/>
-                </a:solidFill>
-                <a:latin typeface="+mn-lt"/>
-                <a:ea typeface="+mn-ea"/>
-                <a:cs typeface="+mn-cs"/>
-              </a:defRPr>
-            </a:lvl6pPr>
-            <a:lvl7pPr marL="2743200" algn="l" defTabSz="914400" rtl="0" eaLnBrk="1" latinLnBrk="0" hangingPunct="1">
-              <a:defRPr sz="1800" kern="1200">
-                <a:solidFill>
-                  <a:schemeClr val="tx1"/>
-                </a:solidFill>
-                <a:latin typeface="+mn-lt"/>
-                <a:ea typeface="+mn-ea"/>
-                <a:cs typeface="+mn-cs"/>
-              </a:defRPr>
-            </a:lvl7pPr>
-            <a:lvl8pPr marL="3200400" algn="l" defTabSz="914400" rtl="0" eaLnBrk="1" latinLnBrk="0" hangingPunct="1">
-              <a:defRPr sz="1800" kern="1200">
-                <a:solidFill>
-                  <a:schemeClr val="tx1"/>
-                </a:solidFill>
-                <a:latin typeface="+mn-lt"/>
-                <a:ea typeface="+mn-ea"/>
-                <a:cs typeface="+mn-cs"/>
-              </a:defRPr>
-            </a:lvl8pPr>
-            <a:lvl9pPr marL="3657600" algn="l" defTabSz="914400" rtl="0" eaLnBrk="1" latinLnBrk="0" hangingPunct="1">
-              <a:defRPr sz="1800" kern="1200">
-                <a:solidFill>
-                  <a:schemeClr val="tx1"/>
-                </a:solidFill>
-                <a:latin typeface="+mn-lt"/>
-                <a:ea typeface="+mn-ea"/>
-                <a:cs typeface="+mn-cs"/>
-              </a:defRPr>
-            </a:lvl9pPr>
-          </a:lstStyle>
-          <a:p>
-            <a:r>
-              <a:rPr lang="en-US" sz="1600" dirty="0" smtClean="0">
-                <a:solidFill>
-                  <a:srgbClr val="0070C0"/>
-                </a:solidFill>
-              </a:rPr>
-              <a:t>tf</a:t>
-            </a:r>
-            <a:endParaRPr lang="en-US" sz="1600" dirty="0">
-              <a:solidFill>
-                <a:srgbClr val="0070C0"/>
-              </a:solidFill>
-            </a:endParaRPr>
-          </a:p>
-        </p:txBody>
-      </p:sp>
       <p:cxnSp>
         <p:nvCxnSpPr>
-          <p:cNvPr id="38" name="Straight Connector 37"/>
+          <p:cNvPr id="37" name="Straight Connector 36"/>
           <p:cNvCxnSpPr>
             <a:cxnSpLocks/>
           </p:cNvCxnSpPr>
@@ -6552,8 +6566,8 @@
         </p:nvCxnSpPr>
         <p:spPr>
           <a:xfrm>
-            <a:off x="5508104" y="2708920"/>
-            <a:ext cx="0" cy="1080000"/>
+            <a:off x="5436096" y="2420888"/>
+            <a:ext cx="0" cy="1440000"/>
           </a:xfrm>
           <a:prstGeom prst="line">
             <a:avLst/>
@@ -6583,13 +6597,13 @@
       </p:cxnSp>
       <p:cxnSp>
         <p:nvCxnSpPr>
-          <p:cNvPr id="39" name="Straight Arrow Connector 38"/>
+          <p:cNvPr id="38" name="Straight Arrow Connector 37"/>
           <p:cNvCxnSpPr/>
           <p:nvPr/>
         </p:nvCxnSpPr>
         <p:spPr>
           <a:xfrm>
-            <a:off x="5562272" y="3501008"/>
+            <a:off x="5508104" y="3573016"/>
             <a:ext cx="1458000" cy="0"/>
           </a:xfrm>
           <a:prstGeom prst="straightConnector1">
@@ -6621,24 +6635,44 @@
       </p:cxnSp>
       <p:sp>
         <p:nvSpPr>
-          <p:cNvPr id="40" name="TextBox 92"/>
-          <p:cNvSpPr txBox="1"/>
+          <p:cNvPr id="39" name="Rectangle 38"/>
+          <p:cNvSpPr/>
           <p:nvPr/>
         </p:nvSpPr>
         <p:spPr>
           <a:xfrm>
-            <a:off x="6079849" y="3212976"/>
-            <a:ext cx="220343" cy="246221"/>
+            <a:off x="5364088" y="2420888"/>
+            <a:ext cx="152400" cy="144000"/>
           </a:xfrm>
           <a:prstGeom prst="rect">
             <a:avLst/>
           </a:prstGeom>
-          <a:noFill/>
+          <a:solidFill>
+            <a:srgbClr val="0070C0"/>
+          </a:solidFill>
+          <a:ln>
+            <a:solidFill>
+              <a:srgbClr val="0070C0"/>
+            </a:solidFill>
+          </a:ln>
+          <a:effectLst/>
         </p:spPr>
-        <p:txBody>
-          <a:bodyPr wrap="square" lIns="0" tIns="0" rIns="0" bIns="0" rtlCol="0">
-            <a:spAutoFit/>
-          </a:bodyPr>
+        <p:style>
+          <a:lnRef idx="1">
+            <a:schemeClr val="accent3"/>
+          </a:lnRef>
+          <a:fillRef idx="2">
+            <a:schemeClr val="accent3"/>
+          </a:fillRef>
+          <a:effectRef idx="1">
+            <a:schemeClr val="accent3"/>
+          </a:effectRef>
+          <a:fontRef idx="minor">
+            <a:schemeClr val="dk1"/>
+          </a:fontRef>
+        </p:style>
+        <p:txBody>
+          <a:bodyPr rtlCol="0" anchor="ctr"/>
           <a:lstStyle>
             <a:defPPr>
               <a:defRPr lang="en-US"/>
@@ -6646,7 +6680,7 @@
             <a:lvl1pPr marL="0" algn="l" defTabSz="914400" rtl="0" eaLnBrk="1" latinLnBrk="0" hangingPunct="1">
               <a:defRPr sz="1800" kern="1200">
                 <a:solidFill>
-                  <a:schemeClr val="tx1"/>
+                  <a:schemeClr val="dk1"/>
                 </a:solidFill>
                 <a:latin typeface="+mn-lt"/>
                 <a:ea typeface="+mn-ea"/>
@@ -6656,7 +6690,7 @@
             <a:lvl2pPr marL="457200" algn="l" defTabSz="914400" rtl="0" eaLnBrk="1" latinLnBrk="0" hangingPunct="1">
               <a:defRPr sz="1800" kern="1200">
                 <a:solidFill>
-                  <a:schemeClr val="tx1"/>
+                  <a:schemeClr val="dk1"/>
                 </a:solidFill>
                 <a:latin typeface="+mn-lt"/>
                 <a:ea typeface="+mn-ea"/>
@@ -6666,7 +6700,7 @@
             <a:lvl3pPr marL="914400" algn="l" defTabSz="914400" rtl="0" eaLnBrk="1" latinLnBrk="0" hangingPunct="1">
               <a:defRPr sz="1800" kern="1200">
                 <a:solidFill>
-                  <a:schemeClr val="tx1"/>
+                  <a:schemeClr val="dk1"/>
                 </a:solidFill>
                 <a:latin typeface="+mn-lt"/>
                 <a:ea typeface="+mn-ea"/>
@@ -6676,7 +6710,7 @@
             <a:lvl4pPr marL="1371600" algn="l" defTabSz="914400" rtl="0" eaLnBrk="1" latinLnBrk="0" hangingPunct="1">
               <a:defRPr sz="1800" kern="1200">
                 <a:solidFill>
-                  <a:schemeClr val="tx1"/>
+                  <a:schemeClr val="dk1"/>
                 </a:solidFill>
                 <a:latin typeface="+mn-lt"/>
                 <a:ea typeface="+mn-ea"/>
@@ -6686,7 +6720,7 @@
             <a:lvl5pPr marL="1828800" algn="l" defTabSz="914400" rtl="0" eaLnBrk="1" latinLnBrk="0" hangingPunct="1">
               <a:defRPr sz="1800" kern="1200">
                 <a:solidFill>
-                  <a:schemeClr val="tx1"/>
+                  <a:schemeClr val="dk1"/>
                 </a:solidFill>
                 <a:latin typeface="+mn-lt"/>
                 <a:ea typeface="+mn-ea"/>
@@ -6696,7 +6730,7 @@
             <a:lvl6pPr marL="2286000" algn="l" defTabSz="914400" rtl="0" eaLnBrk="1" latinLnBrk="0" hangingPunct="1">
               <a:defRPr sz="1800" kern="1200">
                 <a:solidFill>
-                  <a:schemeClr val="tx1"/>
+                  <a:schemeClr val="dk1"/>
                 </a:solidFill>
                 <a:latin typeface="+mn-lt"/>
                 <a:ea typeface="+mn-ea"/>
@@ -6706,7 +6740,7 @@
             <a:lvl7pPr marL="2743200" algn="l" defTabSz="914400" rtl="0" eaLnBrk="1" latinLnBrk="0" hangingPunct="1">
               <a:defRPr sz="1800" kern="1200">
                 <a:solidFill>
-                  <a:schemeClr val="tx1"/>
+                  <a:schemeClr val="dk1"/>
                 </a:solidFill>
                 <a:latin typeface="+mn-lt"/>
                 <a:ea typeface="+mn-ea"/>
@@ -6716,7 +6750,7 @@
             <a:lvl8pPr marL="3200400" algn="l" defTabSz="914400" rtl="0" eaLnBrk="1" latinLnBrk="0" hangingPunct="1">
               <a:defRPr sz="1800" kern="1200">
                 <a:solidFill>
-                  <a:schemeClr val="tx1"/>
+                  <a:schemeClr val="dk1"/>
                 </a:solidFill>
                 <a:latin typeface="+mn-lt"/>
                 <a:ea typeface="+mn-ea"/>
@@ -6726,7 +6760,7 @@
             <a:lvl9pPr marL="3657600" algn="l" defTabSz="914400" rtl="0" eaLnBrk="1" latinLnBrk="0" hangingPunct="1">
               <a:defRPr sz="1800" kern="1200">
                 <a:solidFill>
-                  <a:schemeClr val="tx1"/>
+                  <a:schemeClr val="dk1"/>
                 </a:solidFill>
                 <a:latin typeface="+mn-lt"/>
                 <a:ea typeface="+mn-ea"/>
@@ -6735,176 +6769,90 @@
             </a:lvl9pPr>
           </a:lstStyle>
           <a:p>
-            <a:r>
-              <a:rPr lang="en-US" sz="1600" dirty="0" smtClean="0">
-                <a:solidFill>
-                  <a:srgbClr val="0070C0"/>
-                </a:solidFill>
-              </a:rPr>
-              <a:t>tf</a:t>
-            </a:r>
-            <a:endParaRPr lang="en-US" sz="1600" dirty="0">
-              <a:solidFill>
-                <a:srgbClr val="0070C0"/>
-              </a:solidFill>
-            </a:endParaRPr>
-          </a:p>
-        </p:txBody>
-      </p:sp>
-      <p:sp>
-        <p:nvSpPr>
-          <p:cNvPr id="41" name="TextBox 78"/>
-          <p:cNvSpPr txBox="1"/>
+            <a:pPr algn="ctr"/>
+            <a:endParaRPr lang="en-SG" sz="1400"/>
+          </a:p>
+        </p:txBody>
+      </p:sp>
+      <p:cxnSp>
+        <p:nvCxnSpPr>
+          <p:cNvPr id="40" name="Straight Arrow Connector 39"/>
+          <p:cNvCxnSpPr/>
           <p:nvPr/>
-        </p:nvSpPr>
+        </p:nvCxnSpPr>
         <p:spPr>
           <a:xfrm>
-            <a:off x="7236296" y="4283804"/>
-            <a:ext cx="1440160" cy="369332"/>
+            <a:off x="3240088" y="2564904"/>
+            <a:ext cx="2124000" cy="0"/>
           </a:xfrm>
-          <a:prstGeom prst="rect">
+          <a:prstGeom prst="straightConnector1">
             <a:avLst/>
           </a:prstGeom>
-          <a:noFill/>
+          <a:ln w="19050">
+            <a:solidFill>
+              <a:srgbClr val="0070C0"/>
+            </a:solidFill>
+            <a:prstDash val="sysDash"/>
+            <a:headEnd type="arrow" w="med" len="med"/>
+            <a:tailEnd type="none" w="med" len="med"/>
+          </a:ln>
         </p:spPr>
-        <p:txBody>
-          <a:bodyPr wrap="square" lIns="0" tIns="0" rIns="0" bIns="0" rtlCol="0">
-            <a:spAutoFit/>
-          </a:bodyPr>
-          <a:lstStyle>
-            <a:defPPr>
-              <a:defRPr lang="en-US"/>
-            </a:defPPr>
-            <a:lvl1pPr marL="0" algn="l" defTabSz="914400" rtl="0" eaLnBrk="1" latinLnBrk="0" hangingPunct="1">
-              <a:defRPr sz="1800" kern="1200">
-                <a:solidFill>
-                  <a:schemeClr val="tx1"/>
-                </a:solidFill>
-                <a:latin typeface="+mn-lt"/>
-                <a:ea typeface="+mn-ea"/>
-                <a:cs typeface="+mn-cs"/>
-              </a:defRPr>
-            </a:lvl1pPr>
-            <a:lvl2pPr marL="457200" algn="l" defTabSz="914400" rtl="0" eaLnBrk="1" latinLnBrk="0" hangingPunct="1">
-              <a:defRPr sz="1800" kern="1200">
-                <a:solidFill>
-                  <a:schemeClr val="tx1"/>
-                </a:solidFill>
-                <a:latin typeface="+mn-lt"/>
-                <a:ea typeface="+mn-ea"/>
-                <a:cs typeface="+mn-cs"/>
-              </a:defRPr>
-            </a:lvl2pPr>
-            <a:lvl3pPr marL="914400" algn="l" defTabSz="914400" rtl="0" eaLnBrk="1" latinLnBrk="0" hangingPunct="1">
-              <a:defRPr sz="1800" kern="1200">
-                <a:solidFill>
-                  <a:schemeClr val="tx1"/>
-                </a:solidFill>
-                <a:latin typeface="+mn-lt"/>
-                <a:ea typeface="+mn-ea"/>
-                <a:cs typeface="+mn-cs"/>
-              </a:defRPr>
-            </a:lvl3pPr>
-            <a:lvl4pPr marL="1371600" algn="l" defTabSz="914400" rtl="0" eaLnBrk="1" latinLnBrk="0" hangingPunct="1">
-              <a:defRPr sz="1800" kern="1200">
-                <a:solidFill>
-                  <a:schemeClr val="tx1"/>
-                </a:solidFill>
-                <a:latin typeface="+mn-lt"/>
-                <a:ea typeface="+mn-ea"/>
-                <a:cs typeface="+mn-cs"/>
-              </a:defRPr>
-            </a:lvl4pPr>
-            <a:lvl5pPr marL="1828800" algn="l" defTabSz="914400" rtl="0" eaLnBrk="1" latinLnBrk="0" hangingPunct="1">
-              <a:defRPr sz="1800" kern="1200">
-                <a:solidFill>
-                  <a:schemeClr val="tx1"/>
-                </a:solidFill>
-                <a:latin typeface="+mn-lt"/>
-                <a:ea typeface="+mn-ea"/>
-                <a:cs typeface="+mn-cs"/>
-              </a:defRPr>
-            </a:lvl5pPr>
-            <a:lvl6pPr marL="2286000" algn="l" defTabSz="914400" rtl="0" eaLnBrk="1" latinLnBrk="0" hangingPunct="1">
-              <a:defRPr sz="1800" kern="1200">
-                <a:solidFill>
-                  <a:schemeClr val="tx1"/>
-                </a:solidFill>
-                <a:latin typeface="+mn-lt"/>
-                <a:ea typeface="+mn-ea"/>
-                <a:cs typeface="+mn-cs"/>
-              </a:defRPr>
-            </a:lvl6pPr>
-            <a:lvl7pPr marL="2743200" algn="l" defTabSz="914400" rtl="0" eaLnBrk="1" latinLnBrk="0" hangingPunct="1">
-              <a:defRPr sz="1800" kern="1200">
-                <a:solidFill>
-                  <a:schemeClr val="tx1"/>
-                </a:solidFill>
-                <a:latin typeface="+mn-lt"/>
-                <a:ea typeface="+mn-ea"/>
-                <a:cs typeface="+mn-cs"/>
-              </a:defRPr>
-            </a:lvl7pPr>
-            <a:lvl8pPr marL="3200400" algn="l" defTabSz="914400" rtl="0" eaLnBrk="1" latinLnBrk="0" hangingPunct="1">
-              <a:defRPr sz="1800" kern="1200">
-                <a:solidFill>
-                  <a:schemeClr val="tx1"/>
-                </a:solidFill>
-                <a:latin typeface="+mn-lt"/>
-                <a:ea typeface="+mn-ea"/>
-                <a:cs typeface="+mn-cs"/>
-              </a:defRPr>
-            </a:lvl8pPr>
-            <a:lvl9pPr marL="3657600" algn="l" defTabSz="914400" rtl="0" eaLnBrk="1" latinLnBrk="0" hangingPunct="1">
-              <a:defRPr sz="1800" kern="1200">
-                <a:solidFill>
-                  <a:schemeClr val="tx1"/>
-                </a:solidFill>
-                <a:latin typeface="+mn-lt"/>
-                <a:ea typeface="+mn-ea"/>
-                <a:cs typeface="+mn-cs"/>
-              </a:defRPr>
-            </a:lvl9pPr>
-          </a:lstStyle>
-          <a:p>
-            <a:r>
-              <a:rPr lang="en-SG" sz="1200" dirty="0" smtClean="0">
-                <a:solidFill>
-                  <a:srgbClr val="0070C0"/>
-                </a:solidFill>
-              </a:rPr>
-              <a:t>updateFilteredTaskList</a:t>
-            </a:r>
-          </a:p>
-          <a:p>
-            <a:r>
-              <a:rPr lang="en-SG" sz="1200" dirty="0" smtClean="0">
-                <a:solidFill>
-                  <a:srgbClr val="0070C0"/>
-                </a:solidFill>
-              </a:rPr>
-              <a:t>(predicate)</a:t>
-            </a:r>
-            <a:endParaRPr lang="en-US" sz="1200" dirty="0">
-              <a:solidFill>
-                <a:srgbClr val="0070C0"/>
-              </a:solidFill>
-            </a:endParaRPr>
-          </a:p>
-        </p:txBody>
-      </p:sp>
+        <p:style>
+          <a:lnRef idx="1">
+            <a:schemeClr val="accent1"/>
+          </a:lnRef>
+          <a:fillRef idx="0">
+            <a:schemeClr val="accent1"/>
+          </a:fillRef>
+          <a:effectRef idx="0">
+            <a:schemeClr val="accent1"/>
+          </a:effectRef>
+          <a:fontRef idx="minor">
+            <a:schemeClr val="tx1"/>
+          </a:fontRef>
+        </p:style>
+      </p:cxnSp>
+      <p:cxnSp>
+        <p:nvCxnSpPr>
+          <p:cNvPr id="41" name="Straight Arrow Connector 40"/>
+          <p:cNvCxnSpPr/>
+          <p:nvPr/>
+        </p:nvCxnSpPr>
+        <p:spPr>
+          <a:xfrm flipV="1">
+            <a:off x="3240000" y="3212975"/>
+            <a:ext cx="2142000" cy="1"/>
+          </a:xfrm>
+          <a:prstGeom prst="straightConnector1">
+            <a:avLst/>
+          </a:prstGeom>
+          <a:ln w="19050">
+            <a:solidFill>
+              <a:srgbClr val="0070C0"/>
+            </a:solidFill>
+            <a:tailEnd type="arrow"/>
+          </a:ln>
+        </p:spPr>
+        <p:style>
+          <a:lnRef idx="1">
+            <a:schemeClr val="accent1"/>
+          </a:lnRef>
+          <a:fillRef idx="0">
+            <a:schemeClr val="accent1"/>
+          </a:fillRef>
+          <a:effectRef idx="0">
+            <a:schemeClr val="accent1"/>
+          </a:effectRef>
+          <a:fontRef idx="minor">
+            <a:schemeClr val="tx1"/>
+          </a:fontRef>
+        </p:style>
+      </p:cxnSp>
     </p:spTree>
   </p:cSld>
   <p:clrMapOvr>
     <a:masterClrMapping/>
   </p:clrMapOvr>
-  <p:timing>
-    <p:tnLst>
-      <p:par>
-        <p:cTn id="1" dur="indefinite" restart="never" nodeType="tmRoot"/>
-      </p:par>
-    </p:tnLst>
-  </p:timing>
 </p:sld>
 </file>
 
